--- a/SCOMathon 2024 PowerPoint Template D Smith Example.pptx
+++ b/SCOMathon 2024 PowerPoint Template D Smith Example.pptx
@@ -5,14 +5,20 @@
     <p:sldMasterId id="2147483648" r:id="rId4"/>
   </p:sldMasterIdLst>
   <p:notesMasterIdLst>
-    <p:notesMasterId r:id="rId10"/>
+    <p:notesMasterId r:id="rId16"/>
   </p:notesMasterIdLst>
   <p:sldIdLst>
     <p:sldId id="277" r:id="rId5"/>
     <p:sldId id="262" r:id="rId6"/>
-    <p:sldId id="271" r:id="rId7"/>
-    <p:sldId id="285" r:id="rId8"/>
-    <p:sldId id="276" r:id="rId9"/>
+    <p:sldId id="286" r:id="rId7"/>
+    <p:sldId id="287" r:id="rId8"/>
+    <p:sldId id="288" r:id="rId9"/>
+    <p:sldId id="289" r:id="rId10"/>
+    <p:sldId id="290" r:id="rId11"/>
+    <p:sldId id="291" r:id="rId12"/>
+    <p:sldId id="271" r:id="rId13"/>
+    <p:sldId id="285" r:id="rId14"/>
+    <p:sldId id="276" r:id="rId15"/>
   </p:sldIdLst>
   <p:sldSz cx="12192000" cy="6858000"/>
   <p:notesSz cx="6858000" cy="9144000"/>
@@ -119,6 +125,251 @@
 </p:presentation>
 </file>
 
+<file path=ppt/changesInfos/changesInfo1.xml><?xml version="1.0" encoding="utf-8"?>
+<pc:chgInfo xmlns:a="http://schemas.openxmlformats.org/drawingml/2006/main" xmlns:r="http://schemas.openxmlformats.org/officeDocument/2006/relationships" xmlns:ac="http://schemas.microsoft.com/office/drawing/2013/main/command" xmlns:pc="http://schemas.microsoft.com/office/powerpoint/2013/main/command">
+  <pc:docChgLst>
+    <pc:chgData name="Smith, David P" userId="3b3ff897-b7e2-427d-994f-d3100881ea1d" providerId="ADAL" clId="{612B62A2-1B45-420B-8C1B-1857BD12234D}"/>
+    <pc:docChg chg="undo redo custSel addSld modSld">
+      <pc:chgData name="Smith, David P" userId="3b3ff897-b7e2-427d-994f-d3100881ea1d" providerId="ADAL" clId="{612B62A2-1B45-420B-8C1B-1857BD12234D}" dt="2024-03-26T17:07:54.861" v="389" actId="20577"/>
+      <pc:docMkLst>
+        <pc:docMk/>
+      </pc:docMkLst>
+      <pc:sldChg chg="modSp mod">
+        <pc:chgData name="Smith, David P" userId="3b3ff897-b7e2-427d-994f-d3100881ea1d" providerId="ADAL" clId="{612B62A2-1B45-420B-8C1B-1857BD12234D}" dt="2024-03-26T16:39:35.695" v="105" actId="20577"/>
+        <pc:sldMkLst>
+          <pc:docMk/>
+          <pc:sldMk cId="3195403118" sldId="262"/>
+        </pc:sldMkLst>
+        <pc:spChg chg="mod">
+          <ac:chgData name="Smith, David P" userId="3b3ff897-b7e2-427d-994f-d3100881ea1d" providerId="ADAL" clId="{612B62A2-1B45-420B-8C1B-1857BD12234D}" dt="2024-03-26T16:39:35.695" v="105" actId="20577"/>
+          <ac:spMkLst>
+            <pc:docMk/>
+            <pc:sldMk cId="3195403118" sldId="262"/>
+            <ac:spMk id="3" creationId="{A06DE579-4A93-AA4D-BBF3-6BA7C4FAAA05}"/>
+          </ac:spMkLst>
+        </pc:spChg>
+        <pc:spChg chg="mod">
+          <ac:chgData name="Smith, David P" userId="3b3ff897-b7e2-427d-994f-d3100881ea1d" providerId="ADAL" clId="{612B62A2-1B45-420B-8C1B-1857BD12234D}" dt="2024-03-26T16:36:35.521" v="71"/>
+          <ac:spMkLst>
+            <pc:docMk/>
+            <pc:sldMk cId="3195403118" sldId="262"/>
+            <ac:spMk id="5" creationId="{64080E90-88AC-4BEA-B638-43043CC068DD}"/>
+          </ac:spMkLst>
+        </pc:spChg>
+      </pc:sldChg>
+      <pc:sldChg chg="modSp mod">
+        <pc:chgData name="Smith, David P" userId="3b3ff897-b7e2-427d-994f-d3100881ea1d" providerId="ADAL" clId="{612B62A2-1B45-420B-8C1B-1857BD12234D}" dt="2024-03-26T16:36:19.206" v="70" actId="1076"/>
+        <pc:sldMkLst>
+          <pc:docMk/>
+          <pc:sldMk cId="904398565" sldId="277"/>
+        </pc:sldMkLst>
+        <pc:spChg chg="mod">
+          <ac:chgData name="Smith, David P" userId="3b3ff897-b7e2-427d-994f-d3100881ea1d" providerId="ADAL" clId="{612B62A2-1B45-420B-8C1B-1857BD12234D}" dt="2024-03-26T16:34:47.203" v="41" actId="6549"/>
+          <ac:spMkLst>
+            <pc:docMk/>
+            <pc:sldMk cId="904398565" sldId="277"/>
+            <ac:spMk id="7" creationId="{EE4A45D3-8531-438F-B19F-8B5EDD3B666E}"/>
+          </ac:spMkLst>
+        </pc:spChg>
+        <pc:spChg chg="mod">
+          <ac:chgData name="Smith, David P" userId="3b3ff897-b7e2-427d-994f-d3100881ea1d" providerId="ADAL" clId="{612B62A2-1B45-420B-8C1B-1857BD12234D}" dt="2024-03-26T16:35:46.003" v="67" actId="20577"/>
+          <ac:spMkLst>
+            <pc:docMk/>
+            <pc:sldMk cId="904398565" sldId="277"/>
+            <ac:spMk id="8" creationId="{068F4DC2-1ED2-447C-AC76-FBF6B76CFEF3}"/>
+          </ac:spMkLst>
+        </pc:spChg>
+        <pc:spChg chg="mod">
+          <ac:chgData name="Smith, David P" userId="3b3ff897-b7e2-427d-994f-d3100881ea1d" providerId="ADAL" clId="{612B62A2-1B45-420B-8C1B-1857BD12234D}" dt="2024-03-26T16:36:19.206" v="70" actId="1076"/>
+          <ac:spMkLst>
+            <pc:docMk/>
+            <pc:sldMk cId="904398565" sldId="277"/>
+            <ac:spMk id="9" creationId="{6DA2B1F6-FEE7-44C8-92B5-335B860F57D1}"/>
+          </ac:spMkLst>
+        </pc:spChg>
+      </pc:sldChg>
+      <pc:sldChg chg="modSp mod">
+        <pc:chgData name="Smith, David P" userId="3b3ff897-b7e2-427d-994f-d3100881ea1d" providerId="ADAL" clId="{612B62A2-1B45-420B-8C1B-1857BD12234D}" dt="2024-03-26T17:03:36.146" v="336" actId="20577"/>
+        <pc:sldMkLst>
+          <pc:docMk/>
+          <pc:sldMk cId="1452313157" sldId="285"/>
+        </pc:sldMkLst>
+        <pc:spChg chg="mod">
+          <ac:chgData name="Smith, David P" userId="3b3ff897-b7e2-427d-994f-d3100881ea1d" providerId="ADAL" clId="{612B62A2-1B45-420B-8C1B-1857BD12234D}" dt="2024-03-26T17:03:36.146" v="336" actId="20577"/>
+          <ac:spMkLst>
+            <pc:docMk/>
+            <pc:sldMk cId="1452313157" sldId="285"/>
+            <ac:spMk id="2" creationId="{B91E6721-18A8-D548-A9FB-55DF2A0EB550}"/>
+          </ac:spMkLst>
+        </pc:spChg>
+      </pc:sldChg>
+      <pc:sldChg chg="modSp add mod">
+        <pc:chgData name="Smith, David P" userId="3b3ff897-b7e2-427d-994f-d3100881ea1d" providerId="ADAL" clId="{612B62A2-1B45-420B-8C1B-1857BD12234D}" dt="2024-03-26T16:42:19.981" v="136" actId="6549"/>
+        <pc:sldMkLst>
+          <pc:docMk/>
+          <pc:sldMk cId="1036669230" sldId="286"/>
+        </pc:sldMkLst>
+        <pc:spChg chg="mod">
+          <ac:chgData name="Smith, David P" userId="3b3ff897-b7e2-427d-994f-d3100881ea1d" providerId="ADAL" clId="{612B62A2-1B45-420B-8C1B-1857BD12234D}" dt="2024-03-26T16:42:19.981" v="136" actId="6549"/>
+          <ac:spMkLst>
+            <pc:docMk/>
+            <pc:sldMk cId="1036669230" sldId="286"/>
+            <ac:spMk id="3" creationId="{A06DE579-4A93-AA4D-BBF3-6BA7C4FAAA05}"/>
+          </ac:spMkLst>
+        </pc:spChg>
+        <pc:spChg chg="mod">
+          <ac:chgData name="Smith, David P" userId="3b3ff897-b7e2-427d-994f-d3100881ea1d" providerId="ADAL" clId="{612B62A2-1B45-420B-8C1B-1857BD12234D}" dt="2024-03-26T16:40:57.140" v="108" actId="6549"/>
+          <ac:spMkLst>
+            <pc:docMk/>
+            <pc:sldMk cId="1036669230" sldId="286"/>
+            <ac:spMk id="5" creationId="{64080E90-88AC-4BEA-B638-43043CC068DD}"/>
+          </ac:spMkLst>
+        </pc:spChg>
+      </pc:sldChg>
+      <pc:sldChg chg="modSp add mod">
+        <pc:chgData name="Smith, David P" userId="3b3ff897-b7e2-427d-994f-d3100881ea1d" providerId="ADAL" clId="{612B62A2-1B45-420B-8C1B-1857BD12234D}" dt="2024-03-26T16:47:40.368" v="197" actId="6549"/>
+        <pc:sldMkLst>
+          <pc:docMk/>
+          <pc:sldMk cId="4134013854" sldId="287"/>
+        </pc:sldMkLst>
+        <pc:spChg chg="mod">
+          <ac:chgData name="Smith, David P" userId="3b3ff897-b7e2-427d-994f-d3100881ea1d" providerId="ADAL" clId="{612B62A2-1B45-420B-8C1B-1857BD12234D}" dt="2024-03-26T16:47:40.368" v="197" actId="6549"/>
+          <ac:spMkLst>
+            <pc:docMk/>
+            <pc:sldMk cId="4134013854" sldId="287"/>
+            <ac:spMk id="3" creationId="{A06DE579-4A93-AA4D-BBF3-6BA7C4FAAA05}"/>
+          </ac:spMkLst>
+        </pc:spChg>
+        <pc:spChg chg="mod">
+          <ac:chgData name="Smith, David P" userId="3b3ff897-b7e2-427d-994f-d3100881ea1d" providerId="ADAL" clId="{612B62A2-1B45-420B-8C1B-1857BD12234D}" dt="2024-03-26T16:42:49.900" v="137"/>
+          <ac:spMkLst>
+            <pc:docMk/>
+            <pc:sldMk cId="4134013854" sldId="287"/>
+            <ac:spMk id="5" creationId="{64080E90-88AC-4BEA-B638-43043CC068DD}"/>
+          </ac:spMkLst>
+        </pc:spChg>
+      </pc:sldChg>
+      <pc:sldChg chg="modSp add mod">
+        <pc:chgData name="Smith, David P" userId="3b3ff897-b7e2-427d-994f-d3100881ea1d" providerId="ADAL" clId="{612B62A2-1B45-420B-8C1B-1857BD12234D}" dt="2024-03-26T16:50:15.015" v="215" actId="6549"/>
+        <pc:sldMkLst>
+          <pc:docMk/>
+          <pc:sldMk cId="305794150" sldId="288"/>
+        </pc:sldMkLst>
+        <pc:spChg chg="mod">
+          <ac:chgData name="Smith, David P" userId="3b3ff897-b7e2-427d-994f-d3100881ea1d" providerId="ADAL" clId="{612B62A2-1B45-420B-8C1B-1857BD12234D}" dt="2024-03-26T16:50:15.015" v="215" actId="6549"/>
+          <ac:spMkLst>
+            <pc:docMk/>
+            <pc:sldMk cId="305794150" sldId="288"/>
+            <ac:spMk id="3" creationId="{A06DE579-4A93-AA4D-BBF3-6BA7C4FAAA05}"/>
+          </ac:spMkLst>
+        </pc:spChg>
+        <pc:spChg chg="mod">
+          <ac:chgData name="Smith, David P" userId="3b3ff897-b7e2-427d-994f-d3100881ea1d" providerId="ADAL" clId="{612B62A2-1B45-420B-8C1B-1857BD12234D}" dt="2024-03-26T16:49:42.529" v="199" actId="6549"/>
+          <ac:spMkLst>
+            <pc:docMk/>
+            <pc:sldMk cId="305794150" sldId="288"/>
+            <ac:spMk id="5" creationId="{64080E90-88AC-4BEA-B638-43043CC068DD}"/>
+          </ac:spMkLst>
+        </pc:spChg>
+      </pc:sldChg>
+      <pc:sldChg chg="modSp add mod">
+        <pc:chgData name="Smith, David P" userId="3b3ff897-b7e2-427d-994f-d3100881ea1d" providerId="ADAL" clId="{612B62A2-1B45-420B-8C1B-1857BD12234D}" dt="2024-03-26T16:52:44.057" v="230" actId="114"/>
+        <pc:sldMkLst>
+          <pc:docMk/>
+          <pc:sldMk cId="3869206649" sldId="289"/>
+        </pc:sldMkLst>
+        <pc:spChg chg="mod">
+          <ac:chgData name="Smith, David P" userId="3b3ff897-b7e2-427d-994f-d3100881ea1d" providerId="ADAL" clId="{612B62A2-1B45-420B-8C1B-1857BD12234D}" dt="2024-03-26T16:52:44.057" v="230" actId="114"/>
+          <ac:spMkLst>
+            <pc:docMk/>
+            <pc:sldMk cId="3869206649" sldId="289"/>
+            <ac:spMk id="3" creationId="{A06DE579-4A93-AA4D-BBF3-6BA7C4FAAA05}"/>
+          </ac:spMkLst>
+        </pc:spChg>
+        <pc:spChg chg="mod">
+          <ac:chgData name="Smith, David P" userId="3b3ff897-b7e2-427d-994f-d3100881ea1d" providerId="ADAL" clId="{612B62A2-1B45-420B-8C1B-1857BD12234D}" dt="2024-03-26T16:50:37.876" v="216"/>
+          <ac:spMkLst>
+            <pc:docMk/>
+            <pc:sldMk cId="3869206649" sldId="289"/>
+            <ac:spMk id="5" creationId="{64080E90-88AC-4BEA-B638-43043CC068DD}"/>
+          </ac:spMkLst>
+        </pc:spChg>
+      </pc:sldChg>
+      <pc:sldChg chg="modSp add mod">
+        <pc:chgData name="Smith, David P" userId="3b3ff897-b7e2-427d-994f-d3100881ea1d" providerId="ADAL" clId="{612B62A2-1B45-420B-8C1B-1857BD12234D}" dt="2024-03-26T17:06:57.927" v="385" actId="14100"/>
+        <pc:sldMkLst>
+          <pc:docMk/>
+          <pc:sldMk cId="78363789" sldId="290"/>
+        </pc:sldMkLst>
+        <pc:spChg chg="mod">
+          <ac:chgData name="Smith, David P" userId="3b3ff897-b7e2-427d-994f-d3100881ea1d" providerId="ADAL" clId="{612B62A2-1B45-420B-8C1B-1857BD12234D}" dt="2024-03-26T17:06:57.927" v="385" actId="14100"/>
+          <ac:spMkLst>
+            <pc:docMk/>
+            <pc:sldMk cId="78363789" sldId="290"/>
+            <ac:spMk id="3" creationId="{A06DE579-4A93-AA4D-BBF3-6BA7C4FAAA05}"/>
+          </ac:spMkLst>
+        </pc:spChg>
+        <pc:spChg chg="mod">
+          <ac:chgData name="Smith, David P" userId="3b3ff897-b7e2-427d-994f-d3100881ea1d" providerId="ADAL" clId="{612B62A2-1B45-420B-8C1B-1857BD12234D}" dt="2024-03-26T16:54:00.386" v="232"/>
+          <ac:spMkLst>
+            <pc:docMk/>
+            <pc:sldMk cId="78363789" sldId="290"/>
+            <ac:spMk id="5" creationId="{64080E90-88AC-4BEA-B638-43043CC068DD}"/>
+          </ac:spMkLst>
+        </pc:spChg>
+      </pc:sldChg>
+      <pc:sldChg chg="modSp add mod">
+        <pc:chgData name="Smith, David P" userId="3b3ff897-b7e2-427d-994f-d3100881ea1d" providerId="ADAL" clId="{612B62A2-1B45-420B-8C1B-1857BD12234D}" dt="2024-03-26T17:07:54.861" v="389" actId="20577"/>
+        <pc:sldMkLst>
+          <pc:docMk/>
+          <pc:sldMk cId="3625557847" sldId="291"/>
+        </pc:sldMkLst>
+        <pc:spChg chg="mod">
+          <ac:chgData name="Smith, David P" userId="3b3ff897-b7e2-427d-994f-d3100881ea1d" providerId="ADAL" clId="{612B62A2-1B45-420B-8C1B-1857BD12234D}" dt="2024-03-26T16:56:24.385" v="292" actId="27636"/>
+          <ac:spMkLst>
+            <pc:docMk/>
+            <pc:sldMk cId="3625557847" sldId="291"/>
+            <ac:spMk id="3" creationId="{A06DE579-4A93-AA4D-BBF3-6BA7C4FAAA05}"/>
+          </ac:spMkLst>
+        </pc:spChg>
+        <pc:spChg chg="mod">
+          <ac:chgData name="Smith, David P" userId="3b3ff897-b7e2-427d-994f-d3100881ea1d" providerId="ADAL" clId="{612B62A2-1B45-420B-8C1B-1857BD12234D}" dt="2024-03-26T17:07:54.861" v="389" actId="20577"/>
+          <ac:spMkLst>
+            <pc:docMk/>
+            <pc:sldMk cId="3625557847" sldId="291"/>
+            <ac:spMk id="5" creationId="{64080E90-88AC-4BEA-B638-43043CC068DD}"/>
+          </ac:spMkLst>
+        </pc:spChg>
+      </pc:sldChg>
+    </pc:docChg>
+  </pc:docChgLst>
+  <pc:docChgLst>
+    <pc:chgData name="Smith, David P" userId="3b3ff897-b7e2-427d-994f-d3100881ea1d" providerId="ADAL" clId="{2FB8D311-85E3-4929-B1A6-94352E05ACD2}"/>
+    <pc:docChg chg="modSld">
+      <pc:chgData name="Smith, David P" userId="3b3ff897-b7e2-427d-994f-d3100881ea1d" providerId="ADAL" clId="{2FB8D311-85E3-4929-B1A6-94352E05ACD2}" dt="2024-04-15T13:08:48.340" v="1" actId="6549"/>
+      <pc:docMkLst>
+        <pc:docMk/>
+      </pc:docMkLst>
+      <pc:sldChg chg="modSp mod">
+        <pc:chgData name="Smith, David P" userId="3b3ff897-b7e2-427d-994f-d3100881ea1d" providerId="ADAL" clId="{2FB8D311-85E3-4929-B1A6-94352E05ACD2}" dt="2024-04-15T13:08:48.340" v="1" actId="6549"/>
+        <pc:sldMkLst>
+          <pc:docMk/>
+          <pc:sldMk cId="3625557847" sldId="291"/>
+        </pc:sldMkLst>
+        <pc:spChg chg="mod">
+          <ac:chgData name="Smith, David P" userId="3b3ff897-b7e2-427d-994f-d3100881ea1d" providerId="ADAL" clId="{2FB8D311-85E3-4929-B1A6-94352E05ACD2}" dt="2024-04-15T13:08:48.340" v="1" actId="6549"/>
+          <ac:spMkLst>
+            <pc:docMk/>
+            <pc:sldMk cId="3625557847" sldId="291"/>
+            <ac:spMk id="3" creationId="{A06DE579-4A93-AA4D-BBF3-6BA7C4FAAA05}"/>
+          </ac:spMkLst>
+        </pc:spChg>
+      </pc:sldChg>
+    </pc:docChg>
+  </pc:docChgLst>
+</pc:chgInfo>
+</file>
+
 <file path=ppt/notesMasters/notesMaster1.xml><?xml version="1.0" encoding="utf-8"?>
 <p:notesMaster xmlns:a="http://schemas.openxmlformats.org/drawingml/2006/main" xmlns:r="http://schemas.openxmlformats.org/officeDocument/2006/relationships" xmlns:p="http://schemas.openxmlformats.org/presentationml/2006/main">
   <p:cSld>
@@ -168,7 +419,7 @@
             </a:lvl1pPr>
           </a:lstStyle>
           <a:p>
-            <a:endParaRPr lang="en-US"/>
+            <a:endParaRPr lang="en-US" dirty="0"/>
           </a:p>
         </p:txBody>
       </p:sp>
@@ -201,9 +452,9 @@
           <a:p>
             <a:fld id="{C4CC2A04-CDBF-FE4E-94F1-CBDF8F2D98A4}" type="datetimeFigureOut">
               <a:rPr lang="en-US" smtClean="0"/>
-              <a:t>3/26/2024</a:t>
+              <a:t>4/15/2024</a:t>
             </a:fld>
-            <a:endParaRPr lang="en-US"/>
+            <a:endParaRPr lang="en-US" dirty="0"/>
           </a:p>
         </p:txBody>
       </p:sp>
@@ -236,7 +487,7 @@
           <a:bodyPr vert="horz" lIns="91440" tIns="45720" rIns="91440" bIns="45720" rtlCol="0" anchor="ctr"/>
           <a:lstStyle/>
           <a:p>
-            <a:endParaRPr lang="en-US"/>
+            <a:endParaRPr lang="en-US" dirty="0"/>
           </a:p>
         </p:txBody>
       </p:sp>
@@ -327,7 +578,7 @@
             </a:lvl1pPr>
           </a:lstStyle>
           <a:p>
-            <a:endParaRPr lang="en-US"/>
+            <a:endParaRPr lang="en-US" dirty="0"/>
           </a:p>
         </p:txBody>
       </p:sp>
@@ -362,7 +613,7 @@
               <a:rPr lang="en-US" smtClean="0"/>
               <a:t>‹#›</a:t>
             </a:fld>
-            <a:endParaRPr lang="en-US"/>
+            <a:endParaRPr lang="en-US" dirty="0"/>
           </a:p>
         </p:txBody>
       </p:sp>
@@ -851,7 +1102,7 @@
           <a:bodyPr/>
           <a:lstStyle/>
           <a:p>
-            <a:endParaRPr lang="en-US"/>
+            <a:endParaRPr lang="en-US" dirty="0"/>
           </a:p>
         </p:txBody>
       </p:sp>
@@ -1223,7 +1474,7 @@
           <a:bodyPr/>
           <a:lstStyle/>
           <a:p>
-            <a:endParaRPr lang="en-US"/>
+            <a:endParaRPr lang="en-US" dirty="0"/>
           </a:p>
         </p:txBody>
       </p:sp>
@@ -1744,7 +1995,7 @@
           <a:lstStyle/>
           <a:p>
             <a:pPr algn="ctr"/>
-            <a:endParaRPr lang="en-US"/>
+            <a:endParaRPr lang="en-US" dirty="0"/>
           </a:p>
         </p:txBody>
       </p:sp>
@@ -3898,7 +4149,7 @@
           <a:bodyPr/>
           <a:lstStyle/>
           <a:p>
-            <a:endParaRPr lang="en-US"/>
+            <a:endParaRPr lang="en-US" dirty="0"/>
           </a:p>
         </p:txBody>
       </p:sp>
@@ -4672,10 +4923,9 @@
           </a:lstStyle>
           <a:p>
             <a:r>
-              <a:rPr lang="en-GB" sz="6000" dirty="0"/>
-              <a:t>Title</a:t>
-            </a:r>
-            <a:endParaRPr lang="en-US" sz="6000" dirty="0"/>
+              <a:rPr lang="en-US" sz="6000" dirty="0"/>
+              <a:t>Veeam Backup Monitoring</a:t>
+            </a:r>
           </a:p>
         </p:txBody>
       </p:sp>
@@ -4695,7 +4945,7 @@
         </p:nvSpPr>
         <p:spPr>
           <a:xfrm>
-            <a:off x="963775" y="3997794"/>
+            <a:off x="963775" y="3679654"/>
             <a:ext cx="2884012" cy="331198"/>
           </a:xfrm>
           <a:prstGeom prst="rect">
@@ -4875,12 +5125,12 @@
               <a:buNone/>
             </a:pPr>
             <a:r>
-              <a:rPr lang="en-US" sz="1800" i="0">
+              <a:rPr lang="en-US" sz="1800" i="0" dirty="0">
                 <a:solidFill>
                   <a:srgbClr val="EF405F"/>
                 </a:solidFill>
               </a:rPr>
-              <a:t>SUBTITLE</a:t>
+              <a:t>For 2024</a:t>
             </a:r>
           </a:p>
         </p:txBody>
@@ -4901,7 +5151,7 @@
         </p:nvSpPr>
         <p:spPr>
           <a:xfrm>
-            <a:off x="963775" y="4385427"/>
+            <a:off x="963775" y="4332524"/>
             <a:ext cx="2884012" cy="331198"/>
           </a:xfrm>
           <a:prstGeom prst="rect">
@@ -5081,12 +5331,12 @@
               <a:buNone/>
             </a:pPr>
             <a:r>
-              <a:rPr lang="en-US" sz="1800" i="0">
+              <a:rPr lang="en-US" sz="1800" i="0" dirty="0">
                 <a:solidFill>
                   <a:srgbClr val="0094E2"/>
                 </a:solidFill>
               </a:rPr>
-              <a:t>SPEAKER NAME</a:t>
+              <a:t>David Smith</a:t>
             </a:r>
           </a:p>
         </p:txBody>
@@ -5095,6 +5345,235 @@
     <p:extLst>
       <p:ext uri="{BB962C8B-B14F-4D97-AF65-F5344CB8AC3E}">
         <p14:creationId xmlns:p14="http://schemas.microsoft.com/office/powerpoint/2010/main" val="904398565"/>
+      </p:ext>
+    </p:extLst>
+  </p:cSld>
+  <p:clrMapOvr>
+    <a:masterClrMapping/>
+  </p:clrMapOvr>
+</p:sld>
+</file>
+
+<file path=ppt/slides/slide10.xml><?xml version="1.0" encoding="utf-8"?>
+<p:sld xmlns:a="http://schemas.openxmlformats.org/drawingml/2006/main" xmlns:r="http://schemas.openxmlformats.org/officeDocument/2006/relationships" xmlns:p="http://schemas.openxmlformats.org/presentationml/2006/main">
+  <p:cSld>
+    <p:spTree>
+      <p:nvGrpSpPr>
+        <p:cNvPr id="1" name=""/>
+        <p:cNvGrpSpPr/>
+        <p:nvPr/>
+      </p:nvGrpSpPr>
+      <p:grpSpPr>
+        <a:xfrm>
+          <a:off x="0" y="0"/>
+          <a:ext cx="0" cy="0"/>
+          <a:chOff x="0" y="0"/>
+          <a:chExt cx="0" cy="0"/>
+        </a:xfrm>
+      </p:grpSpPr>
+      <p:sp>
+        <p:nvSpPr>
+          <p:cNvPr id="2" name="Text Placeholder 1">
+            <a:extLst>
+              <a:ext uri="{FF2B5EF4-FFF2-40B4-BE49-F238E27FC236}">
+                <a16:creationId xmlns:a16="http://schemas.microsoft.com/office/drawing/2014/main" id="{B91E6721-18A8-D548-A9FB-55DF2A0EB550}"/>
+              </a:ext>
+            </a:extLst>
+          </p:cNvPr>
+          <p:cNvSpPr>
+            <a:spLocks noGrp="1"/>
+          </p:cNvSpPr>
+          <p:nvPr>
+            <p:ph type="body" sz="quarter" idx="11"/>
+          </p:nvPr>
+        </p:nvSpPr>
+        <p:spPr>
+          <a:xfrm>
+            <a:off x="768404" y="2166938"/>
+            <a:ext cx="6361266" cy="3042837"/>
+          </a:xfrm>
+        </p:spPr>
+        <p:txBody>
+          <a:bodyPr>
+            <a:normAutofit/>
+          </a:bodyPr>
+          <a:lstStyle/>
+          <a:p>
+            <a:pPr marL="0" indent="0">
+              <a:lnSpc>
+                <a:spcPts val="2860"/>
+              </a:lnSpc>
+              <a:buNone/>
+            </a:pPr>
+            <a:r>
+              <a:rPr lang="en-US" sz="2400" dirty="0"/>
+              <a:t>MP file, MP Doc, Notes on </a:t>
+            </a:r>
+            <a:r>
+              <a:rPr lang="en-US" sz="2400" dirty="0" err="1"/>
+              <a:t>Github</a:t>
+            </a:r>
+            <a:endParaRPr lang="en-US" sz="2400" dirty="0"/>
+          </a:p>
+          <a:p>
+            <a:pPr marL="0" indent="0">
+              <a:lnSpc>
+                <a:spcPts val="2860"/>
+              </a:lnSpc>
+              <a:buNone/>
+            </a:pPr>
+            <a:r>
+              <a:rPr lang="en-US" sz="2400" dirty="0"/>
+              <a:t>https://github.com/dsmith14w/VeeamBackupMP</a:t>
+            </a:r>
+          </a:p>
+        </p:txBody>
+      </p:sp>
+      <p:sp>
+        <p:nvSpPr>
+          <p:cNvPr id="4" name="Title 3">
+            <a:extLst>
+              <a:ext uri="{FF2B5EF4-FFF2-40B4-BE49-F238E27FC236}">
+                <a16:creationId xmlns:a16="http://schemas.microsoft.com/office/drawing/2014/main" id="{2489C828-45EE-2243-BE9F-447CC51831B8}"/>
+              </a:ext>
+            </a:extLst>
+          </p:cNvPr>
+          <p:cNvSpPr>
+            <a:spLocks noGrp="1"/>
+          </p:cNvSpPr>
+          <p:nvPr>
+            <p:ph type="title"/>
+          </p:nvPr>
+        </p:nvSpPr>
+        <p:spPr/>
+        <p:txBody>
+          <a:bodyPr anchor="b"/>
+          <a:lstStyle/>
+          <a:p>
+            <a:r>
+              <a:rPr lang="en-US" dirty="0"/>
+              <a:t>Q&amp;A</a:t>
+            </a:r>
+          </a:p>
+        </p:txBody>
+      </p:sp>
+      <p:sp>
+        <p:nvSpPr>
+          <p:cNvPr id="6" name="Text Placeholder 5">
+            <a:extLst>
+              <a:ext uri="{FF2B5EF4-FFF2-40B4-BE49-F238E27FC236}">
+                <a16:creationId xmlns:a16="http://schemas.microsoft.com/office/drawing/2014/main" id="{D1A5E458-DB2A-43F5-BF3B-123FDCE52FEA}"/>
+              </a:ext>
+            </a:extLst>
+          </p:cNvPr>
+          <p:cNvSpPr>
+            <a:spLocks noGrp="1"/>
+          </p:cNvSpPr>
+          <p:nvPr>
+            <p:ph type="body" sz="quarter" idx="12"/>
+          </p:nvPr>
+        </p:nvSpPr>
+        <p:spPr/>
+        <p:txBody>
+          <a:bodyPr/>
+          <a:lstStyle/>
+          <a:p>
+            <a:endParaRPr lang="en-GB" dirty="0"/>
+          </a:p>
+        </p:txBody>
+      </p:sp>
+      <p:pic>
+        <p:nvPicPr>
+          <p:cNvPr id="8" name="Picture Placeholder 7" descr="A picture containing text, silhouette&#10;&#10;Description automatically generated">
+            <a:extLst>
+              <a:ext uri="{FF2B5EF4-FFF2-40B4-BE49-F238E27FC236}">
+                <a16:creationId xmlns:a16="http://schemas.microsoft.com/office/drawing/2014/main" id="{5F0A1D14-266D-4503-85B6-3A2312354D1D}"/>
+              </a:ext>
+            </a:extLst>
+          </p:cNvPr>
+          <p:cNvPicPr>
+            <a:picLocks noGrp="1" noChangeAspect="1"/>
+          </p:cNvPicPr>
+          <p:nvPr>
+            <p:ph type="pic" sz="quarter" idx="10"/>
+          </p:nvPr>
+        </p:nvPicPr>
+        <p:blipFill>
+          <a:blip r:embed="rId2"/>
+          <a:srcRect l="13956" r="13956"/>
+          <a:stretch>
+            <a:fillRect/>
+          </a:stretch>
+        </p:blipFill>
+        <p:spPr>
+          <a:xfrm rot="10800000">
+            <a:off x="6096000" y="-936171"/>
+            <a:ext cx="6096000" cy="6858000"/>
+          </a:xfrm>
+        </p:spPr>
+      </p:pic>
+    </p:spTree>
+    <p:extLst>
+      <p:ext uri="{BB962C8B-B14F-4D97-AF65-F5344CB8AC3E}">
+        <p14:creationId xmlns:p14="http://schemas.microsoft.com/office/powerpoint/2010/main" val="1452313157"/>
+      </p:ext>
+    </p:extLst>
+  </p:cSld>
+  <p:clrMapOvr>
+    <a:masterClrMapping/>
+  </p:clrMapOvr>
+</p:sld>
+</file>
+
+<file path=ppt/slides/slide11.xml><?xml version="1.0" encoding="utf-8"?>
+<p:sld xmlns:a="http://schemas.openxmlformats.org/drawingml/2006/main" xmlns:r="http://schemas.openxmlformats.org/officeDocument/2006/relationships" xmlns:p="http://schemas.openxmlformats.org/presentationml/2006/main">
+  <p:cSld>
+    <p:spTree>
+      <p:nvGrpSpPr>
+        <p:cNvPr id="1" name=""/>
+        <p:cNvGrpSpPr/>
+        <p:nvPr/>
+      </p:nvGrpSpPr>
+      <p:grpSpPr>
+        <a:xfrm>
+          <a:off x="0" y="0"/>
+          <a:ext cx="0" cy="0"/>
+          <a:chOff x="0" y="0"/>
+          <a:chExt cx="0" cy="0"/>
+        </a:xfrm>
+      </p:grpSpPr>
+      <p:sp>
+        <p:nvSpPr>
+          <p:cNvPr id="2" name="Title 1">
+            <a:extLst>
+              <a:ext uri="{FF2B5EF4-FFF2-40B4-BE49-F238E27FC236}">
+                <a16:creationId xmlns:a16="http://schemas.microsoft.com/office/drawing/2014/main" id="{DEC9085A-1282-C947-86B5-22D2AF28465C}"/>
+              </a:ext>
+            </a:extLst>
+          </p:cNvPr>
+          <p:cNvSpPr>
+            <a:spLocks noGrp="1"/>
+          </p:cNvSpPr>
+          <p:nvPr>
+            <p:ph type="ctrTitle"/>
+          </p:nvPr>
+        </p:nvSpPr>
+        <p:spPr/>
+        <p:txBody>
+          <a:bodyPr/>
+          <a:lstStyle/>
+          <a:p>
+            <a:r>
+              <a:rPr lang="en-US" dirty="0"/>
+              <a:t>Thank you</a:t>
+            </a:r>
+          </a:p>
+        </p:txBody>
+      </p:sp>
+    </p:spTree>
+    <p:extLst>
+      <p:ext uri="{BB962C8B-B14F-4D97-AF65-F5344CB8AC3E}">
+        <p14:creationId xmlns:p14="http://schemas.microsoft.com/office/powerpoint/2010/main" val="3101762217"/>
       </p:ext>
     </p:extLst>
   </p:cSld>
@@ -5149,48 +5628,34 @@
           </a:bodyPr>
           <a:lstStyle/>
           <a:p>
-            <a:pPr marL="0" indent="0">
-              <a:buNone/>
-            </a:pPr>
             <a:r>
               <a:rPr lang="en-US" b="1" dirty="0"/>
-              <a:t>Text</a:t>
-            </a:r>
-          </a:p>
-          <a:p>
-            <a:pPr marL="0" indent="0">
-              <a:buNone/>
-            </a:pPr>
-            <a:r>
-              <a:rPr lang="en-GB" dirty="0">
-                <a:solidFill>
-                  <a:srgbClr val="EF405F"/>
-                </a:solidFill>
-                <a:latin typeface="Barlow Semi Condensed Medium"/>
-                <a:hlinkClick r:id="rId2">
-                  <a:extLst>
-                    <a:ext uri="{A12FA001-AC4F-418D-AE19-62706E023703}">
-                      <ahyp:hlinkClr xmlns:ahyp="http://schemas.microsoft.com/office/drawing/2018/hyperlinkcolor" val="tx"/>
-                    </a:ext>
-                  </a:extLst>
-                </a:hlinkClick>
-              </a:rPr>
-              <a:t>Hyperlink</a:t>
-            </a:r>
-            <a:r>
-              <a:rPr lang="en-GB" dirty="0">
-                <a:solidFill>
-                  <a:srgbClr val="EF405F"/>
-                </a:solidFill>
-                <a:latin typeface="Barlow Semi Condensed Medium"/>
-              </a:rPr>
-              <a:t> example</a:t>
-            </a:r>
-          </a:p>
-          <a:p>
-            <a:pPr marL="0" indent="0">
-              <a:buNone/>
-            </a:pPr>
+              <a:t>At one time we had the Veeam Backup MP when it was included with what we purchased</a:t>
+            </a:r>
+          </a:p>
+          <a:p>
+            <a:r>
+              <a:rPr lang="en-US" b="1" dirty="0"/>
+              <a:t>This changed and the solution became expensive</a:t>
+            </a:r>
+          </a:p>
+          <a:p>
+            <a:r>
+              <a:rPr lang="en-US" b="1" dirty="0"/>
+              <a:t>The solution which included the MP also included software we did not need</a:t>
+            </a:r>
+          </a:p>
+          <a:p>
+            <a:r>
+              <a:rPr lang="en-US" b="1" dirty="0"/>
+              <a:t>Purchase of the MP only was not an option</a:t>
+            </a:r>
+          </a:p>
+          <a:p>
+            <a:r>
+              <a:rPr lang="en-US" b="1" dirty="0"/>
+              <a:t>Monitoring of Veeam backups was needed in our organization</a:t>
+            </a:r>
             <a:endParaRPr lang="en-GB" sz="2800" b="1" i="1" dirty="0">
               <a:solidFill>
                 <a:srgbClr val="FF0000"/>
@@ -5199,15 +5664,9 @@
             </a:endParaRPr>
           </a:p>
           <a:p>
-            <a:pPr marL="0" indent="0">
-              <a:buNone/>
-            </a:pPr>
             <a:endParaRPr lang="en-US" b="1" dirty="0"/>
           </a:p>
           <a:p>
-            <a:pPr marL="0" indent="0">
-              <a:buNone/>
-            </a:pPr>
             <a:endParaRPr lang="en-US" b="1" dirty="0"/>
           </a:p>
         </p:txBody>
@@ -5234,9 +5693,10 @@
           <a:lstStyle/>
           <a:p>
             <a:r>
-              <a:rPr lang="en-GB" dirty="0"/>
-              <a:t>Title</a:t>
-            </a:r>
+              <a:rPr lang="en-US" dirty="0"/>
+              <a:t>Why we created our own MP</a:t>
+            </a:r>
+            <a:endParaRPr lang="en-GB" dirty="0"/>
           </a:p>
         </p:txBody>
       </p:sp>
@@ -5254,6 +5714,950 @@
 </file>
 
 <file path=ppt/slides/slide3.xml><?xml version="1.0" encoding="utf-8"?>
+<p:sld xmlns:a="http://schemas.openxmlformats.org/drawingml/2006/main" xmlns:r="http://schemas.openxmlformats.org/officeDocument/2006/relationships" xmlns:p="http://schemas.openxmlformats.org/presentationml/2006/main">
+  <p:cSld>
+    <p:spTree>
+      <p:nvGrpSpPr>
+        <p:cNvPr id="1" name=""/>
+        <p:cNvGrpSpPr/>
+        <p:nvPr/>
+      </p:nvGrpSpPr>
+      <p:grpSpPr>
+        <a:xfrm>
+          <a:off x="0" y="0"/>
+          <a:ext cx="0" cy="0"/>
+          <a:chOff x="0" y="0"/>
+          <a:chExt cx="0" cy="0"/>
+        </a:xfrm>
+      </p:grpSpPr>
+      <p:sp>
+        <p:nvSpPr>
+          <p:cNvPr id="3" name="Content Placeholder 2">
+            <a:extLst>
+              <a:ext uri="{FF2B5EF4-FFF2-40B4-BE49-F238E27FC236}">
+                <a16:creationId xmlns:a16="http://schemas.microsoft.com/office/drawing/2014/main" id="{A06DE579-4A93-AA4D-BBF3-6BA7C4FAAA05}"/>
+              </a:ext>
+            </a:extLst>
+          </p:cNvPr>
+          <p:cNvSpPr>
+            <a:spLocks noGrp="1"/>
+          </p:cNvSpPr>
+          <p:nvPr>
+            <p:ph idx="1"/>
+          </p:nvPr>
+        </p:nvSpPr>
+        <p:spPr>
+          <a:xfrm>
+            <a:off x="838200" y="1825625"/>
+            <a:ext cx="9509567" cy="4351338"/>
+          </a:xfrm>
+        </p:spPr>
+        <p:txBody>
+          <a:bodyPr>
+            <a:normAutofit/>
+          </a:bodyPr>
+          <a:lstStyle/>
+          <a:p>
+            <a:r>
+              <a:rPr lang="en-US" b="1" dirty="0"/>
+              <a:t>We reviewed the existing Veeam Backup MP </a:t>
+            </a:r>
+          </a:p>
+          <a:p>
+            <a:r>
+              <a:rPr lang="en-US" b="1" dirty="0"/>
+              <a:t>We reviewed our organizations use of the product  </a:t>
+            </a:r>
+          </a:p>
+          <a:p>
+            <a:r>
+              <a:rPr lang="en-US" b="1" dirty="0"/>
+              <a:t>Discussion with Veeam Backup staff, what to monitor </a:t>
+            </a:r>
+          </a:p>
+          <a:p>
+            <a:r>
+              <a:rPr lang="en-US" b="1" dirty="0"/>
+              <a:t>Veeam Backup staff created a list of items that they would like to be monitored </a:t>
+            </a:r>
+          </a:p>
+          <a:p>
+            <a:r>
+              <a:rPr lang="en-US" b="1" dirty="0"/>
+              <a:t>Worked with the Veeam Backup team to design a custom MP to suite our needs</a:t>
+            </a:r>
+            <a:endParaRPr lang="en-GB" sz="2800" b="1" i="1" dirty="0">
+              <a:solidFill>
+                <a:srgbClr val="FF0000"/>
+              </a:solidFill>
+              <a:latin typeface="Barlow Semi Condensed Medium"/>
+            </a:endParaRPr>
+          </a:p>
+          <a:p>
+            <a:endParaRPr lang="en-US" b="1" dirty="0"/>
+          </a:p>
+          <a:p>
+            <a:endParaRPr lang="en-US" b="1" dirty="0"/>
+          </a:p>
+        </p:txBody>
+      </p:sp>
+      <p:sp>
+        <p:nvSpPr>
+          <p:cNvPr id="5" name="Title 4">
+            <a:extLst>
+              <a:ext uri="{FF2B5EF4-FFF2-40B4-BE49-F238E27FC236}">
+                <a16:creationId xmlns:a16="http://schemas.microsoft.com/office/drawing/2014/main" id="{64080E90-88AC-4BEA-B638-43043CC068DD}"/>
+              </a:ext>
+            </a:extLst>
+          </p:cNvPr>
+          <p:cNvSpPr>
+            <a:spLocks noGrp="1"/>
+          </p:cNvSpPr>
+          <p:nvPr>
+            <p:ph type="title"/>
+          </p:nvPr>
+        </p:nvSpPr>
+        <p:spPr/>
+        <p:txBody>
+          <a:bodyPr/>
+          <a:lstStyle/>
+          <a:p>
+            <a:r>
+              <a:rPr lang="en-GB" dirty="0"/>
+              <a:t>Method of Development </a:t>
+            </a:r>
+          </a:p>
+        </p:txBody>
+      </p:sp>
+    </p:spTree>
+    <p:extLst>
+      <p:ext uri="{BB962C8B-B14F-4D97-AF65-F5344CB8AC3E}">
+        <p14:creationId xmlns:p14="http://schemas.microsoft.com/office/powerpoint/2010/main" val="1036669230"/>
+      </p:ext>
+    </p:extLst>
+  </p:cSld>
+  <p:clrMapOvr>
+    <a:masterClrMapping/>
+  </p:clrMapOvr>
+</p:sld>
+</file>
+
+<file path=ppt/slides/slide4.xml><?xml version="1.0" encoding="utf-8"?>
+<p:sld xmlns:a="http://schemas.openxmlformats.org/drawingml/2006/main" xmlns:r="http://schemas.openxmlformats.org/officeDocument/2006/relationships" xmlns:p="http://schemas.openxmlformats.org/presentationml/2006/main">
+  <p:cSld>
+    <p:spTree>
+      <p:nvGrpSpPr>
+        <p:cNvPr id="1" name=""/>
+        <p:cNvGrpSpPr/>
+        <p:nvPr/>
+      </p:nvGrpSpPr>
+      <p:grpSpPr>
+        <a:xfrm>
+          <a:off x="0" y="0"/>
+          <a:ext cx="0" cy="0"/>
+          <a:chOff x="0" y="0"/>
+          <a:chExt cx="0" cy="0"/>
+        </a:xfrm>
+      </p:grpSpPr>
+      <p:sp>
+        <p:nvSpPr>
+          <p:cNvPr id="3" name="Content Placeholder 2">
+            <a:extLst>
+              <a:ext uri="{FF2B5EF4-FFF2-40B4-BE49-F238E27FC236}">
+                <a16:creationId xmlns:a16="http://schemas.microsoft.com/office/drawing/2014/main" id="{A06DE579-4A93-AA4D-BBF3-6BA7C4FAAA05}"/>
+              </a:ext>
+            </a:extLst>
+          </p:cNvPr>
+          <p:cNvSpPr>
+            <a:spLocks noGrp="1"/>
+          </p:cNvSpPr>
+          <p:nvPr>
+            <p:ph idx="1"/>
+          </p:nvPr>
+        </p:nvSpPr>
+        <p:spPr>
+          <a:xfrm>
+            <a:off x="838200" y="1825625"/>
+            <a:ext cx="9509567" cy="4667250"/>
+          </a:xfrm>
+        </p:spPr>
+        <p:txBody>
+          <a:bodyPr>
+            <a:normAutofit fontScale="92500"/>
+          </a:bodyPr>
+          <a:lstStyle/>
+          <a:p>
+            <a:r>
+              <a:rPr lang="en-US" b="1" dirty="0"/>
+              <a:t>The design needed to be flexible to add additional items as needed </a:t>
+            </a:r>
+          </a:p>
+          <a:p>
+            <a:r>
+              <a:rPr lang="en-US" b="1" dirty="0"/>
+              <a:t> Classes and discoveries based on services for applications installed (Registry) </a:t>
+            </a:r>
+          </a:p>
+          <a:p>
+            <a:r>
+              <a:rPr lang="en-US" b="1" dirty="0"/>
+              <a:t>Veeam Backup SQL Servers;  Discovery by script </a:t>
+            </a:r>
+          </a:p>
+          <a:p>
+            <a:pPr marL="0" indent="0">
+              <a:buNone/>
+            </a:pPr>
+            <a:r>
+              <a:rPr lang="en-US" b="1" dirty="0"/>
+              <a:t>   -OR- Group based on server naming convention </a:t>
+            </a:r>
+          </a:p>
+          <a:p>
+            <a:r>
+              <a:rPr lang="en-US" b="1" dirty="0"/>
+              <a:t>Classes and discoveries based on backup type for jobs (Script) </a:t>
+            </a:r>
+          </a:p>
+          <a:p>
+            <a:r>
+              <a:rPr lang="en-US" b="1" dirty="0"/>
+              <a:t>Monitor Services for Backup Server, Enterprise Manager, Proxy Server, SQL server</a:t>
+            </a:r>
+          </a:p>
+          <a:p>
+            <a:r>
+              <a:rPr lang="en-US" b="1" dirty="0"/>
+              <a:t>Monitor jobs for discovered job types </a:t>
+            </a:r>
+          </a:p>
+          <a:p>
+            <a:r>
+              <a:rPr lang="en-US" b="1" dirty="0"/>
+              <a:t>Rule for credential failure</a:t>
+            </a:r>
+          </a:p>
+        </p:txBody>
+      </p:sp>
+      <p:sp>
+        <p:nvSpPr>
+          <p:cNvPr id="5" name="Title 4">
+            <a:extLst>
+              <a:ext uri="{FF2B5EF4-FFF2-40B4-BE49-F238E27FC236}">
+                <a16:creationId xmlns:a16="http://schemas.microsoft.com/office/drawing/2014/main" id="{64080E90-88AC-4BEA-B638-43043CC068DD}"/>
+              </a:ext>
+            </a:extLst>
+          </p:cNvPr>
+          <p:cNvSpPr>
+            <a:spLocks noGrp="1"/>
+          </p:cNvSpPr>
+          <p:nvPr>
+            <p:ph type="title"/>
+          </p:nvPr>
+        </p:nvSpPr>
+        <p:spPr/>
+        <p:txBody>
+          <a:bodyPr/>
+          <a:lstStyle/>
+          <a:p>
+            <a:r>
+              <a:rPr lang="en-US" dirty="0"/>
+              <a:t>What we chose to discover and monitor </a:t>
+            </a:r>
+            <a:endParaRPr lang="en-GB" dirty="0"/>
+          </a:p>
+        </p:txBody>
+      </p:sp>
+    </p:spTree>
+    <p:extLst>
+      <p:ext uri="{BB962C8B-B14F-4D97-AF65-F5344CB8AC3E}">
+        <p14:creationId xmlns:p14="http://schemas.microsoft.com/office/powerpoint/2010/main" val="4134013854"/>
+      </p:ext>
+    </p:extLst>
+  </p:cSld>
+  <p:clrMapOvr>
+    <a:masterClrMapping/>
+  </p:clrMapOvr>
+</p:sld>
+</file>
+
+<file path=ppt/slides/slide5.xml><?xml version="1.0" encoding="utf-8"?>
+<p:sld xmlns:a="http://schemas.openxmlformats.org/drawingml/2006/main" xmlns:r="http://schemas.openxmlformats.org/officeDocument/2006/relationships" xmlns:p="http://schemas.openxmlformats.org/presentationml/2006/main">
+  <p:cSld>
+    <p:spTree>
+      <p:nvGrpSpPr>
+        <p:cNvPr id="1" name=""/>
+        <p:cNvGrpSpPr/>
+        <p:nvPr/>
+      </p:nvGrpSpPr>
+      <p:grpSpPr>
+        <a:xfrm>
+          <a:off x="0" y="0"/>
+          <a:ext cx="0" cy="0"/>
+          <a:chOff x="0" y="0"/>
+          <a:chExt cx="0" cy="0"/>
+        </a:xfrm>
+      </p:grpSpPr>
+      <p:sp>
+        <p:nvSpPr>
+          <p:cNvPr id="3" name="Content Placeholder 2">
+            <a:extLst>
+              <a:ext uri="{FF2B5EF4-FFF2-40B4-BE49-F238E27FC236}">
+                <a16:creationId xmlns:a16="http://schemas.microsoft.com/office/drawing/2014/main" id="{A06DE579-4A93-AA4D-BBF3-6BA7C4FAAA05}"/>
+              </a:ext>
+            </a:extLst>
+          </p:cNvPr>
+          <p:cNvSpPr>
+            <a:spLocks noGrp="1"/>
+          </p:cNvSpPr>
+          <p:nvPr>
+            <p:ph idx="1"/>
+          </p:nvPr>
+        </p:nvSpPr>
+        <p:spPr>
+          <a:xfrm>
+            <a:off x="838200" y="1825625"/>
+            <a:ext cx="9509567" cy="4351338"/>
+          </a:xfrm>
+        </p:spPr>
+        <p:txBody>
+          <a:bodyPr>
+            <a:normAutofit/>
+          </a:bodyPr>
+          <a:lstStyle/>
+          <a:p>
+            <a:r>
+              <a:rPr lang="en-US" b="1" dirty="0"/>
+              <a:t>9 Classes</a:t>
+            </a:r>
+          </a:p>
+          <a:p>
+            <a:r>
+              <a:rPr lang="en-US" b="1" dirty="0"/>
+              <a:t>9 Discoveries</a:t>
+            </a:r>
+          </a:p>
+          <a:p>
+            <a:r>
+              <a:rPr lang="en-US" b="1" dirty="0"/>
+              <a:t>27 Monitors</a:t>
+            </a:r>
+          </a:p>
+          <a:p>
+            <a:r>
+              <a:rPr lang="en-US" b="1" dirty="0"/>
+              <a:t>1 Rule</a:t>
+            </a:r>
+          </a:p>
+          <a:p>
+            <a:r>
+              <a:rPr lang="en-US" b="1" dirty="0"/>
+              <a:t>1 Folder</a:t>
+            </a:r>
+          </a:p>
+          <a:p>
+            <a:r>
+              <a:rPr lang="en-US" b="1" dirty="0"/>
+              <a:t>11 Views</a:t>
+            </a:r>
+          </a:p>
+        </p:txBody>
+      </p:sp>
+      <p:sp>
+        <p:nvSpPr>
+          <p:cNvPr id="5" name="Title 4">
+            <a:extLst>
+              <a:ext uri="{FF2B5EF4-FFF2-40B4-BE49-F238E27FC236}">
+                <a16:creationId xmlns:a16="http://schemas.microsoft.com/office/drawing/2014/main" id="{64080E90-88AC-4BEA-B638-43043CC068DD}"/>
+              </a:ext>
+            </a:extLst>
+          </p:cNvPr>
+          <p:cNvSpPr>
+            <a:spLocks noGrp="1"/>
+          </p:cNvSpPr>
+          <p:nvPr>
+            <p:ph type="title"/>
+          </p:nvPr>
+        </p:nvSpPr>
+        <p:spPr/>
+        <p:txBody>
+          <a:bodyPr/>
+          <a:lstStyle/>
+          <a:p>
+            <a:r>
+              <a:rPr lang="en-US" dirty="0"/>
+              <a:t>What's in the MP</a:t>
+            </a:r>
+            <a:endParaRPr lang="en-GB" dirty="0"/>
+          </a:p>
+        </p:txBody>
+      </p:sp>
+    </p:spTree>
+    <p:extLst>
+      <p:ext uri="{BB962C8B-B14F-4D97-AF65-F5344CB8AC3E}">
+        <p14:creationId xmlns:p14="http://schemas.microsoft.com/office/powerpoint/2010/main" val="305794150"/>
+      </p:ext>
+    </p:extLst>
+  </p:cSld>
+  <p:clrMapOvr>
+    <a:masterClrMapping/>
+  </p:clrMapOvr>
+</p:sld>
+</file>
+
+<file path=ppt/slides/slide6.xml><?xml version="1.0" encoding="utf-8"?>
+<p:sld xmlns:a="http://schemas.openxmlformats.org/drawingml/2006/main" xmlns:r="http://schemas.openxmlformats.org/officeDocument/2006/relationships" xmlns:p="http://schemas.openxmlformats.org/presentationml/2006/main">
+  <p:cSld>
+    <p:spTree>
+      <p:nvGrpSpPr>
+        <p:cNvPr id="1" name=""/>
+        <p:cNvGrpSpPr/>
+        <p:nvPr/>
+      </p:nvGrpSpPr>
+      <p:grpSpPr>
+        <a:xfrm>
+          <a:off x="0" y="0"/>
+          <a:ext cx="0" cy="0"/>
+          <a:chOff x="0" y="0"/>
+          <a:chExt cx="0" cy="0"/>
+        </a:xfrm>
+      </p:grpSpPr>
+      <p:sp>
+        <p:nvSpPr>
+          <p:cNvPr id="3" name="Content Placeholder 2">
+            <a:extLst>
+              <a:ext uri="{FF2B5EF4-FFF2-40B4-BE49-F238E27FC236}">
+                <a16:creationId xmlns:a16="http://schemas.microsoft.com/office/drawing/2014/main" id="{A06DE579-4A93-AA4D-BBF3-6BA7C4FAAA05}"/>
+              </a:ext>
+            </a:extLst>
+          </p:cNvPr>
+          <p:cNvSpPr>
+            <a:spLocks noGrp="1"/>
+          </p:cNvSpPr>
+          <p:nvPr>
+            <p:ph idx="1"/>
+          </p:nvPr>
+        </p:nvSpPr>
+        <p:spPr>
+          <a:xfrm>
+            <a:off x="838200" y="1825625"/>
+            <a:ext cx="9509567" cy="4351338"/>
+          </a:xfrm>
+        </p:spPr>
+        <p:txBody>
+          <a:bodyPr>
+            <a:normAutofit/>
+          </a:bodyPr>
+          <a:lstStyle/>
+          <a:p>
+            <a:r>
+              <a:rPr lang="en-US" b="1" dirty="0"/>
+              <a:t>Additional classes for other job types are easy to duplicate</a:t>
+            </a:r>
+          </a:p>
+          <a:p>
+            <a:r>
+              <a:rPr lang="en-US" b="1" dirty="0"/>
+              <a:t>Additional discoveries for new job types are easy to duplicate</a:t>
+            </a:r>
+          </a:p>
+          <a:p>
+            <a:r>
+              <a:rPr lang="en-US" b="1" dirty="0"/>
+              <a:t>Additional monitors for the new job types are easy to duplicate</a:t>
+            </a:r>
+          </a:p>
+          <a:p>
+            <a:r>
+              <a:rPr lang="en-US" b="1" dirty="0"/>
+              <a:t>Existing Monitors are easy to override and change parameters as necessary</a:t>
+            </a:r>
+          </a:p>
+          <a:p>
+            <a:r>
+              <a:rPr lang="en-US" b="1" dirty="0"/>
+              <a:t>Alerts for additional job types will require viewing the </a:t>
+            </a:r>
+            <a:r>
+              <a:rPr lang="en-US" b="1" i="1" dirty="0" err="1"/>
+              <a:t>VeeamBackup</a:t>
+            </a:r>
+            <a:r>
+              <a:rPr lang="en-US" b="1" dirty="0"/>
+              <a:t> event log to identify job success and failure</a:t>
+            </a:r>
+          </a:p>
+        </p:txBody>
+      </p:sp>
+      <p:sp>
+        <p:nvSpPr>
+          <p:cNvPr id="5" name="Title 4">
+            <a:extLst>
+              <a:ext uri="{FF2B5EF4-FFF2-40B4-BE49-F238E27FC236}">
+                <a16:creationId xmlns:a16="http://schemas.microsoft.com/office/drawing/2014/main" id="{64080E90-88AC-4BEA-B638-43043CC068DD}"/>
+              </a:ext>
+            </a:extLst>
+          </p:cNvPr>
+          <p:cNvSpPr>
+            <a:spLocks noGrp="1"/>
+          </p:cNvSpPr>
+          <p:nvPr>
+            <p:ph type="title"/>
+          </p:nvPr>
+        </p:nvSpPr>
+        <p:spPr/>
+        <p:txBody>
+          <a:bodyPr/>
+          <a:lstStyle/>
+          <a:p>
+            <a:r>
+              <a:rPr lang="en-GB" dirty="0"/>
+              <a:t>Flexibility of MP</a:t>
+            </a:r>
+          </a:p>
+        </p:txBody>
+      </p:sp>
+    </p:spTree>
+    <p:extLst>
+      <p:ext uri="{BB962C8B-B14F-4D97-AF65-F5344CB8AC3E}">
+        <p14:creationId xmlns:p14="http://schemas.microsoft.com/office/powerpoint/2010/main" val="3869206649"/>
+      </p:ext>
+    </p:extLst>
+  </p:cSld>
+  <p:clrMapOvr>
+    <a:masterClrMapping/>
+  </p:clrMapOvr>
+</p:sld>
+</file>
+
+<file path=ppt/slides/slide7.xml><?xml version="1.0" encoding="utf-8"?>
+<p:sld xmlns:a="http://schemas.openxmlformats.org/drawingml/2006/main" xmlns:r="http://schemas.openxmlformats.org/officeDocument/2006/relationships" xmlns:p="http://schemas.openxmlformats.org/presentationml/2006/main">
+  <p:cSld>
+    <p:spTree>
+      <p:nvGrpSpPr>
+        <p:cNvPr id="1" name=""/>
+        <p:cNvGrpSpPr/>
+        <p:nvPr/>
+      </p:nvGrpSpPr>
+      <p:grpSpPr>
+        <a:xfrm>
+          <a:off x="0" y="0"/>
+          <a:ext cx="0" cy="0"/>
+          <a:chOff x="0" y="0"/>
+          <a:chExt cx="0" cy="0"/>
+        </a:xfrm>
+      </p:grpSpPr>
+      <p:sp>
+        <p:nvSpPr>
+          <p:cNvPr id="3" name="Content Placeholder 2">
+            <a:extLst>
+              <a:ext uri="{FF2B5EF4-FFF2-40B4-BE49-F238E27FC236}">
+                <a16:creationId xmlns:a16="http://schemas.microsoft.com/office/drawing/2014/main" id="{A06DE579-4A93-AA4D-BBF3-6BA7C4FAAA05}"/>
+              </a:ext>
+            </a:extLst>
+          </p:cNvPr>
+          <p:cNvSpPr>
+            <a:spLocks noGrp="1"/>
+          </p:cNvSpPr>
+          <p:nvPr>
+            <p:ph idx="1"/>
+          </p:nvPr>
+        </p:nvSpPr>
+        <p:spPr>
+          <a:xfrm>
+            <a:off x="838199" y="1825625"/>
+            <a:ext cx="10942983" cy="4351338"/>
+          </a:xfrm>
+        </p:spPr>
+        <p:txBody>
+          <a:bodyPr>
+            <a:normAutofit/>
+          </a:bodyPr>
+          <a:lstStyle/>
+          <a:p>
+            <a:r>
+              <a:rPr lang="en-US" b="1" dirty="0"/>
+              <a:t>The Veeam Backup teams provided the information for the services to be monitored</a:t>
+            </a:r>
+          </a:p>
+          <a:p>
+            <a:r>
+              <a:rPr lang="en-US" b="1" dirty="0"/>
+              <a:t>WMI is used to gather details about the backups </a:t>
+            </a:r>
+          </a:p>
+          <a:p>
+            <a:pPr lvl="1"/>
+            <a:r>
+              <a:rPr lang="en-US" b="1" dirty="0"/>
+              <a:t>Name space: root/</a:t>
+            </a:r>
+            <a:r>
+              <a:rPr lang="en-US" b="1" dirty="0" err="1"/>
+              <a:t>VeeamBS</a:t>
+            </a:r>
+            <a:endParaRPr lang="en-US" b="1" dirty="0"/>
+          </a:p>
+          <a:p>
+            <a:pPr lvl="1"/>
+            <a:r>
+              <a:rPr lang="en-US" b="1" dirty="0"/>
+              <a:t>WMI retrieval may require credentials based on your organization policies</a:t>
+            </a:r>
+          </a:p>
+          <a:p>
+            <a:r>
+              <a:rPr lang="en-US" b="1" dirty="0"/>
+              <a:t>Job retrieval script contains code for handling </a:t>
+            </a:r>
+            <a:r>
+              <a:rPr lang="en-US" b="1" dirty="0" err="1"/>
+              <a:t>credentails</a:t>
+            </a:r>
+            <a:r>
+              <a:rPr lang="en-US" b="1" dirty="0"/>
+              <a:t> (We used a vault)</a:t>
+            </a:r>
+          </a:p>
+          <a:p>
+            <a:r>
+              <a:rPr lang="en-US" b="1" dirty="0"/>
+              <a:t>Retrieve a list of all WMI for </a:t>
+            </a:r>
+            <a:r>
+              <a:rPr lang="en-US" b="1" dirty="0" err="1"/>
+              <a:t>VeeamBS</a:t>
+            </a:r>
+            <a:endParaRPr lang="en-US" b="1" dirty="0"/>
+          </a:p>
+          <a:p>
+            <a:pPr lvl="1"/>
+            <a:r>
+              <a:rPr lang="en-US" b="1" dirty="0"/>
+              <a:t>Get-</a:t>
+            </a:r>
+            <a:r>
+              <a:rPr lang="en-US" b="1" dirty="0" err="1"/>
+              <a:t>WmiObject</a:t>
+            </a:r>
+            <a:r>
+              <a:rPr lang="en-US" b="1" dirty="0"/>
+              <a:t> -Namespace root/</a:t>
+            </a:r>
+            <a:r>
+              <a:rPr lang="en-US" b="1" dirty="0" err="1"/>
+              <a:t>VeeamBS</a:t>
+            </a:r>
+            <a:r>
+              <a:rPr lang="en-US" b="1" dirty="0"/>
+              <a:t> -</a:t>
+            </a:r>
+            <a:r>
+              <a:rPr lang="en-US" b="1" dirty="0" err="1"/>
+              <a:t>ComputerName</a:t>
+            </a:r>
+            <a:r>
+              <a:rPr lang="en-US" b="1" dirty="0"/>
+              <a:t> $</a:t>
+            </a:r>
+            <a:r>
+              <a:rPr lang="en-US" b="1" dirty="0" err="1"/>
+              <a:t>ComputerName</a:t>
+            </a:r>
+            <a:r>
+              <a:rPr lang="en-US" b="1" dirty="0"/>
+              <a:t> -List</a:t>
+            </a:r>
+          </a:p>
+        </p:txBody>
+      </p:sp>
+      <p:sp>
+        <p:nvSpPr>
+          <p:cNvPr id="5" name="Title 4">
+            <a:extLst>
+              <a:ext uri="{FF2B5EF4-FFF2-40B4-BE49-F238E27FC236}">
+                <a16:creationId xmlns:a16="http://schemas.microsoft.com/office/drawing/2014/main" id="{64080E90-88AC-4BEA-B638-43043CC068DD}"/>
+              </a:ext>
+            </a:extLst>
+          </p:cNvPr>
+          <p:cNvSpPr>
+            <a:spLocks noGrp="1"/>
+          </p:cNvSpPr>
+          <p:nvPr>
+            <p:ph type="title"/>
+          </p:nvPr>
+        </p:nvSpPr>
+        <p:spPr/>
+        <p:txBody>
+          <a:bodyPr/>
+          <a:lstStyle/>
+          <a:p>
+            <a:r>
+              <a:rPr lang="en-GB" dirty="0"/>
+              <a:t>Understanding Veeam Backups</a:t>
+            </a:r>
+          </a:p>
+        </p:txBody>
+      </p:sp>
+    </p:spTree>
+    <p:extLst>
+      <p:ext uri="{BB962C8B-B14F-4D97-AF65-F5344CB8AC3E}">
+        <p14:creationId xmlns:p14="http://schemas.microsoft.com/office/powerpoint/2010/main" val="78363789"/>
+      </p:ext>
+    </p:extLst>
+  </p:cSld>
+  <p:clrMapOvr>
+    <a:masterClrMapping/>
+  </p:clrMapOvr>
+</p:sld>
+</file>
+
+<file path=ppt/slides/slide8.xml><?xml version="1.0" encoding="utf-8"?>
+<p:sld xmlns:a="http://schemas.openxmlformats.org/drawingml/2006/main" xmlns:r="http://schemas.openxmlformats.org/officeDocument/2006/relationships" xmlns:p="http://schemas.openxmlformats.org/presentationml/2006/main">
+  <p:cSld>
+    <p:spTree>
+      <p:nvGrpSpPr>
+        <p:cNvPr id="1" name=""/>
+        <p:cNvGrpSpPr/>
+        <p:nvPr/>
+      </p:nvGrpSpPr>
+      <p:grpSpPr>
+        <a:xfrm>
+          <a:off x="0" y="0"/>
+          <a:ext cx="0" cy="0"/>
+          <a:chOff x="0" y="0"/>
+          <a:chExt cx="0" cy="0"/>
+        </a:xfrm>
+      </p:grpSpPr>
+      <p:sp>
+        <p:nvSpPr>
+          <p:cNvPr id="3" name="Content Placeholder 2">
+            <a:extLst>
+              <a:ext uri="{FF2B5EF4-FFF2-40B4-BE49-F238E27FC236}">
+                <a16:creationId xmlns:a16="http://schemas.microsoft.com/office/drawing/2014/main" id="{A06DE579-4A93-AA4D-BBF3-6BA7C4FAAA05}"/>
+              </a:ext>
+            </a:extLst>
+          </p:cNvPr>
+          <p:cNvSpPr>
+            <a:spLocks noGrp="1"/>
+          </p:cNvSpPr>
+          <p:nvPr>
+            <p:ph idx="1"/>
+          </p:nvPr>
+        </p:nvSpPr>
+        <p:spPr>
+          <a:xfrm>
+            <a:off x="838200" y="1825625"/>
+            <a:ext cx="9509567" cy="4351338"/>
+          </a:xfrm>
+        </p:spPr>
+        <p:txBody>
+          <a:bodyPr>
+            <a:normAutofit lnSpcReduction="10000"/>
+          </a:bodyPr>
+          <a:lstStyle/>
+          <a:p>
+            <a:r>
+              <a:rPr lang="en-US" b="1" dirty="0"/>
+              <a:t>select * from Job</a:t>
+            </a:r>
+          </a:p>
+          <a:p>
+            <a:r>
+              <a:rPr lang="en-US" b="1" dirty="0"/>
+              <a:t>select * from </a:t>
+            </a:r>
+            <a:r>
+              <a:rPr lang="en-US" b="1" dirty="0" err="1"/>
+              <a:t>RespoitoryBase</a:t>
+            </a:r>
+            <a:endParaRPr lang="en-US" b="1" dirty="0"/>
+          </a:p>
+          <a:p>
+            <a:r>
+              <a:rPr lang="en-US" b="1" dirty="0"/>
+              <a:t>select * from </a:t>
+            </a:r>
+            <a:r>
+              <a:rPr lang="en-US" b="1" dirty="0" err="1"/>
+              <a:t>Respoitory</a:t>
+            </a:r>
+            <a:endParaRPr lang="en-US" b="1" dirty="0"/>
+          </a:p>
+          <a:p>
+            <a:r>
+              <a:rPr lang="en-US" b="1" dirty="0"/>
+              <a:t>select * from </a:t>
+            </a:r>
+            <a:r>
+              <a:rPr lang="en-US" b="1" dirty="0" err="1"/>
+              <a:t>wmi_extension</a:t>
+            </a:r>
+            <a:r>
+              <a:rPr lang="en-US" b="1" dirty="0"/>
+              <a:t> </a:t>
+            </a:r>
+          </a:p>
+          <a:p>
+            <a:pPr lvl="1"/>
+            <a:r>
+              <a:rPr lang="en-US" b="1" dirty="0"/>
+              <a:t>For Security check with credentials </a:t>
+            </a:r>
+          </a:p>
+          <a:p>
+            <a:pPr lvl="1"/>
+            <a:r>
+              <a:rPr lang="en-US" b="1" dirty="0"/>
+              <a:t>Get-</a:t>
+            </a:r>
+            <a:r>
+              <a:rPr lang="en-US" b="1" dirty="0" err="1"/>
+              <a:t>WmiObject</a:t>
+            </a:r>
+            <a:r>
+              <a:rPr lang="en-US" b="1" dirty="0"/>
+              <a:t> -Namespace "root\</a:t>
+            </a:r>
+            <a:r>
+              <a:rPr lang="en-US" b="1" dirty="0" err="1"/>
+              <a:t>VeeamBS</a:t>
+            </a:r>
+            <a:r>
+              <a:rPr lang="en-US" b="1" dirty="0"/>
+              <a:t>" -</a:t>
+            </a:r>
+            <a:r>
+              <a:rPr lang="en-US" b="1" dirty="0" err="1"/>
+              <a:t>ClassName</a:t>
+            </a:r>
+            <a:r>
+              <a:rPr lang="en-US" b="1" dirty="0"/>
+              <a:t> </a:t>
+            </a:r>
+            <a:r>
+              <a:rPr lang="en-US" b="1" dirty="0" err="1"/>
+              <a:t>wmi_extension</a:t>
+            </a:r>
+            <a:r>
+              <a:rPr lang="en-US" b="1" dirty="0"/>
+              <a:t> -</a:t>
+            </a:r>
+            <a:r>
+              <a:rPr lang="en-US" b="1" dirty="0" err="1"/>
+              <a:t>ComputerName</a:t>
+            </a:r>
+            <a:r>
+              <a:rPr lang="en-US" b="1" dirty="0"/>
+              <a:t> -Credential $creds</a:t>
+            </a:r>
+          </a:p>
+          <a:p>
+            <a:r>
+              <a:rPr lang="en-US" b="1" dirty="0"/>
+              <a:t>Job Types </a:t>
+            </a:r>
+          </a:p>
+          <a:p>
+            <a:pPr lvl="1"/>
+            <a:r>
+              <a:rPr lang="en-US" b="1" dirty="0"/>
+              <a:t>Get-</a:t>
+            </a:r>
+            <a:r>
+              <a:rPr lang="en-US" b="1" dirty="0" err="1"/>
+              <a:t>WmiObject</a:t>
+            </a:r>
+            <a:r>
+              <a:rPr lang="en-US" b="1" dirty="0"/>
+              <a:t> -Namespace "root\</a:t>
+            </a:r>
+            <a:r>
+              <a:rPr lang="en-US" b="1" dirty="0" err="1"/>
+              <a:t>VeeamBS</a:t>
+            </a:r>
+            <a:r>
+              <a:rPr lang="en-US" b="1" dirty="0"/>
+              <a:t>" -</a:t>
+            </a:r>
+            <a:r>
+              <a:rPr lang="en-US" b="1" dirty="0" err="1"/>
+              <a:t>ClassName</a:t>
+            </a:r>
+            <a:r>
+              <a:rPr lang="en-US" b="1" dirty="0"/>
+              <a:t>  </a:t>
+            </a:r>
+            <a:r>
+              <a:rPr lang="en-US" b="1" dirty="0" err="1"/>
+              <a:t>Static_JobTypeInfo</a:t>
+            </a:r>
+            <a:r>
+              <a:rPr lang="en-US" b="1" dirty="0"/>
+              <a:t> -</a:t>
+            </a:r>
+            <a:r>
+              <a:rPr lang="en-US" b="1" dirty="0" err="1"/>
+              <a:t>ComputerName</a:t>
+            </a:r>
+            <a:r>
+              <a:rPr lang="en-US" b="1" dirty="0"/>
+              <a:t> "$</a:t>
+            </a:r>
+            <a:r>
+              <a:rPr lang="en-US" b="1" dirty="0" err="1"/>
+              <a:t>ComputerName</a:t>
+            </a:r>
+            <a:r>
+              <a:rPr lang="en-US" b="1" dirty="0"/>
+              <a:t>" |select Type, DisplayName</a:t>
+            </a:r>
+          </a:p>
+        </p:txBody>
+      </p:sp>
+      <p:sp>
+        <p:nvSpPr>
+          <p:cNvPr id="5" name="Title 4">
+            <a:extLst>
+              <a:ext uri="{FF2B5EF4-FFF2-40B4-BE49-F238E27FC236}">
+                <a16:creationId xmlns:a16="http://schemas.microsoft.com/office/drawing/2014/main" id="{64080E90-88AC-4BEA-B638-43043CC068DD}"/>
+              </a:ext>
+            </a:extLst>
+          </p:cNvPr>
+          <p:cNvSpPr>
+            <a:spLocks noGrp="1"/>
+          </p:cNvSpPr>
+          <p:nvPr>
+            <p:ph type="title"/>
+          </p:nvPr>
+        </p:nvSpPr>
+        <p:spPr/>
+        <p:txBody>
+          <a:bodyPr/>
+          <a:lstStyle/>
+          <a:p>
+            <a:r>
+              <a:rPr lang="en-US" b="1" dirty="0"/>
+              <a:t>WMI Queries</a:t>
+            </a:r>
+            <a:endParaRPr lang="en-GB" dirty="0"/>
+          </a:p>
+        </p:txBody>
+      </p:sp>
+    </p:spTree>
+    <p:extLst>
+      <p:ext uri="{BB962C8B-B14F-4D97-AF65-F5344CB8AC3E}">
+        <p14:creationId xmlns:p14="http://schemas.microsoft.com/office/powerpoint/2010/main" val="3625557847"/>
+      </p:ext>
+    </p:extLst>
+  </p:cSld>
+  <p:clrMapOvr>
+    <a:masterClrMapping/>
+  </p:clrMapOvr>
+</p:sld>
+</file>
+
+<file path=ppt/slides/slide9.xml><?xml version="1.0" encoding="utf-8"?>
 <p:sld xmlns:a="http://schemas.openxmlformats.org/drawingml/2006/main" xmlns:r="http://schemas.openxmlformats.org/officeDocument/2006/relationships" xmlns:p="http://schemas.openxmlformats.org/presentationml/2006/main">
   <p:cSld>
     <p:spTree>
@@ -5292,7 +6696,7 @@
           <a:lstStyle/>
           <a:p>
             <a:r>
-              <a:rPr lang="en-US"/>
+              <a:rPr lang="en-US" dirty="0"/>
               <a:t>Demo</a:t>
             </a:r>
           </a:p>
@@ -5332,250 +6736,6 @@
     <p:extLst>
       <p:ext uri="{BB962C8B-B14F-4D97-AF65-F5344CB8AC3E}">
         <p14:creationId xmlns:p14="http://schemas.microsoft.com/office/powerpoint/2010/main" val="608243421"/>
-      </p:ext>
-    </p:extLst>
-  </p:cSld>
-  <p:clrMapOvr>
-    <a:masterClrMapping/>
-  </p:clrMapOvr>
-</p:sld>
-</file>
-
-<file path=ppt/slides/slide4.xml><?xml version="1.0" encoding="utf-8"?>
-<p:sld xmlns:a="http://schemas.openxmlformats.org/drawingml/2006/main" xmlns:r="http://schemas.openxmlformats.org/officeDocument/2006/relationships" xmlns:p="http://schemas.openxmlformats.org/presentationml/2006/main">
-  <p:cSld>
-    <p:spTree>
-      <p:nvGrpSpPr>
-        <p:cNvPr id="1" name=""/>
-        <p:cNvGrpSpPr/>
-        <p:nvPr/>
-      </p:nvGrpSpPr>
-      <p:grpSpPr>
-        <a:xfrm>
-          <a:off x="0" y="0"/>
-          <a:ext cx="0" cy="0"/>
-          <a:chOff x="0" y="0"/>
-          <a:chExt cx="0" cy="0"/>
-        </a:xfrm>
-      </p:grpSpPr>
-      <p:sp>
-        <p:nvSpPr>
-          <p:cNvPr id="2" name="Text Placeholder 1">
-            <a:extLst>
-              <a:ext uri="{FF2B5EF4-FFF2-40B4-BE49-F238E27FC236}">
-                <a16:creationId xmlns:a16="http://schemas.microsoft.com/office/drawing/2014/main" id="{B91E6721-18A8-D548-A9FB-55DF2A0EB550}"/>
-              </a:ext>
-            </a:extLst>
-          </p:cNvPr>
-          <p:cNvSpPr>
-            <a:spLocks noGrp="1"/>
-          </p:cNvSpPr>
-          <p:nvPr>
-            <p:ph type="body" sz="quarter" idx="11"/>
-          </p:nvPr>
-        </p:nvSpPr>
-        <p:spPr/>
-        <p:txBody>
-          <a:bodyPr>
-            <a:normAutofit/>
-          </a:bodyPr>
-          <a:lstStyle/>
-          <a:p>
-            <a:pPr marL="0" indent="0">
-              <a:lnSpc>
-                <a:spcPts val="2860"/>
-              </a:lnSpc>
-              <a:buNone/>
-            </a:pPr>
-            <a:r>
-              <a:rPr lang="en-GB" sz="2400"/>
-              <a:t>Lorem ipsum </a:t>
-            </a:r>
-            <a:r>
-              <a:rPr lang="en-GB" sz="2400" err="1"/>
-              <a:t>dolor</a:t>
-            </a:r>
-            <a:r>
-              <a:rPr lang="en-GB" sz="2400"/>
-              <a:t> sit </a:t>
-            </a:r>
-            <a:r>
-              <a:rPr lang="en-GB" sz="2400" err="1"/>
-              <a:t>amet</a:t>
-            </a:r>
-            <a:r>
-              <a:rPr lang="en-GB" sz="2400"/>
-              <a:t>, </a:t>
-            </a:r>
-            <a:r>
-              <a:rPr lang="en-GB" sz="2400" err="1"/>
-              <a:t>consectetur</a:t>
-            </a:r>
-            <a:r>
-              <a:rPr lang="en-GB" sz="2400"/>
-              <a:t> </a:t>
-            </a:r>
-            <a:r>
-              <a:rPr lang="en-GB" sz="2400" err="1"/>
-              <a:t>adipiscing</a:t>
-            </a:r>
-            <a:r>
-              <a:rPr lang="en-GB" sz="2400"/>
-              <a:t> </a:t>
-            </a:r>
-            <a:r>
-              <a:rPr lang="en-GB" sz="2400" err="1"/>
-              <a:t>elit</a:t>
-            </a:r>
-            <a:endParaRPr lang="en-US" sz="2400"/>
-          </a:p>
-        </p:txBody>
-      </p:sp>
-      <p:sp>
-        <p:nvSpPr>
-          <p:cNvPr id="4" name="Title 3">
-            <a:extLst>
-              <a:ext uri="{FF2B5EF4-FFF2-40B4-BE49-F238E27FC236}">
-                <a16:creationId xmlns:a16="http://schemas.microsoft.com/office/drawing/2014/main" id="{2489C828-45EE-2243-BE9F-447CC51831B8}"/>
-              </a:ext>
-            </a:extLst>
-          </p:cNvPr>
-          <p:cNvSpPr>
-            <a:spLocks noGrp="1"/>
-          </p:cNvSpPr>
-          <p:nvPr>
-            <p:ph type="title"/>
-          </p:nvPr>
-        </p:nvSpPr>
-        <p:spPr/>
-        <p:txBody>
-          <a:bodyPr anchor="b"/>
-          <a:lstStyle/>
-          <a:p>
-            <a:r>
-              <a:rPr lang="en-US"/>
-              <a:t>Q&amp;A</a:t>
-            </a:r>
-          </a:p>
-        </p:txBody>
-      </p:sp>
-      <p:sp>
-        <p:nvSpPr>
-          <p:cNvPr id="6" name="Text Placeholder 5">
-            <a:extLst>
-              <a:ext uri="{FF2B5EF4-FFF2-40B4-BE49-F238E27FC236}">
-                <a16:creationId xmlns:a16="http://schemas.microsoft.com/office/drawing/2014/main" id="{D1A5E458-DB2A-43F5-BF3B-123FDCE52FEA}"/>
-              </a:ext>
-            </a:extLst>
-          </p:cNvPr>
-          <p:cNvSpPr>
-            <a:spLocks noGrp="1"/>
-          </p:cNvSpPr>
-          <p:nvPr>
-            <p:ph type="body" sz="quarter" idx="12"/>
-          </p:nvPr>
-        </p:nvSpPr>
-        <p:spPr/>
-        <p:txBody>
-          <a:bodyPr/>
-          <a:lstStyle/>
-          <a:p>
-            <a:endParaRPr lang="en-GB"/>
-          </a:p>
-        </p:txBody>
-      </p:sp>
-      <p:pic>
-        <p:nvPicPr>
-          <p:cNvPr id="8" name="Picture Placeholder 7" descr="A picture containing text, silhouette&#10;&#10;Description automatically generated">
-            <a:extLst>
-              <a:ext uri="{FF2B5EF4-FFF2-40B4-BE49-F238E27FC236}">
-                <a16:creationId xmlns:a16="http://schemas.microsoft.com/office/drawing/2014/main" id="{5F0A1D14-266D-4503-85B6-3A2312354D1D}"/>
-              </a:ext>
-            </a:extLst>
-          </p:cNvPr>
-          <p:cNvPicPr>
-            <a:picLocks noGrp="1" noChangeAspect="1"/>
-          </p:cNvPicPr>
-          <p:nvPr>
-            <p:ph type="pic" sz="quarter" idx="10"/>
-          </p:nvPr>
-        </p:nvPicPr>
-        <p:blipFill>
-          <a:blip r:embed="rId2"/>
-          <a:srcRect l="13956" r="13956"/>
-          <a:stretch>
-            <a:fillRect/>
-          </a:stretch>
-        </p:blipFill>
-        <p:spPr>
-          <a:xfrm rot="10800000">
-            <a:off x="6096000" y="-936171"/>
-            <a:ext cx="6096000" cy="6858000"/>
-          </a:xfrm>
-        </p:spPr>
-      </p:pic>
-    </p:spTree>
-    <p:extLst>
-      <p:ext uri="{BB962C8B-B14F-4D97-AF65-F5344CB8AC3E}">
-        <p14:creationId xmlns:p14="http://schemas.microsoft.com/office/powerpoint/2010/main" val="1452313157"/>
-      </p:ext>
-    </p:extLst>
-  </p:cSld>
-  <p:clrMapOvr>
-    <a:masterClrMapping/>
-  </p:clrMapOvr>
-</p:sld>
-</file>
-
-<file path=ppt/slides/slide5.xml><?xml version="1.0" encoding="utf-8"?>
-<p:sld xmlns:a="http://schemas.openxmlformats.org/drawingml/2006/main" xmlns:r="http://schemas.openxmlformats.org/officeDocument/2006/relationships" xmlns:p="http://schemas.openxmlformats.org/presentationml/2006/main">
-  <p:cSld>
-    <p:spTree>
-      <p:nvGrpSpPr>
-        <p:cNvPr id="1" name=""/>
-        <p:cNvGrpSpPr/>
-        <p:nvPr/>
-      </p:nvGrpSpPr>
-      <p:grpSpPr>
-        <a:xfrm>
-          <a:off x="0" y="0"/>
-          <a:ext cx="0" cy="0"/>
-          <a:chOff x="0" y="0"/>
-          <a:chExt cx="0" cy="0"/>
-        </a:xfrm>
-      </p:grpSpPr>
-      <p:sp>
-        <p:nvSpPr>
-          <p:cNvPr id="2" name="Title 1">
-            <a:extLst>
-              <a:ext uri="{FF2B5EF4-FFF2-40B4-BE49-F238E27FC236}">
-                <a16:creationId xmlns:a16="http://schemas.microsoft.com/office/drawing/2014/main" id="{DEC9085A-1282-C947-86B5-22D2AF28465C}"/>
-              </a:ext>
-            </a:extLst>
-          </p:cNvPr>
-          <p:cNvSpPr>
-            <a:spLocks noGrp="1"/>
-          </p:cNvSpPr>
-          <p:nvPr>
-            <p:ph type="ctrTitle"/>
-          </p:nvPr>
-        </p:nvSpPr>
-        <p:spPr/>
-        <p:txBody>
-          <a:bodyPr/>
-          <a:lstStyle/>
-          <a:p>
-            <a:r>
-              <a:rPr lang="en-US"/>
-              <a:t>Thank you</a:t>
-            </a:r>
-          </a:p>
-        </p:txBody>
-      </p:sp>
-    </p:spTree>
-    <p:extLst>
-      <p:ext uri="{BB962C8B-B14F-4D97-AF65-F5344CB8AC3E}">
-        <p14:creationId xmlns:p14="http://schemas.microsoft.com/office/powerpoint/2010/main" val="3101762217"/>
       </p:ext>
     </p:extLst>
   </p:cSld>
